--- a/18_36_Питание_для_работы_с_массой.pptx
+++ b/18_36_Питание_для_работы_с_массой.pptx
@@ -311,7 +311,7 @@
           <a:p>
             <a:fld id="{28E20F77-081A-455C-BC4E-00CFB52C51CF}" type="datetimeFigureOut">
               <a:rPr lang="ru-RU" smtClean="0"/>
-              <a:t>27.12.2024</a:t>
+              <a:t>28.12.2024</a:t>
             </a:fld>
             <a:endParaRPr lang="ru-RU"/>
           </a:p>
@@ -539,7 +539,7 @@
           <a:p>
             <a:fld id="{28E20F77-081A-455C-BC4E-00CFB52C51CF}" type="datetimeFigureOut">
               <a:rPr lang="ru-RU" smtClean="0"/>
-              <a:t>27.12.2024</a:t>
+              <a:t>28.12.2024</a:t>
             </a:fld>
             <a:endParaRPr lang="ru-RU"/>
           </a:p>
@@ -719,7 +719,7 @@
           <a:p>
             <a:fld id="{28E20F77-081A-455C-BC4E-00CFB52C51CF}" type="datetimeFigureOut">
               <a:rPr lang="ru-RU" smtClean="0"/>
-              <a:t>27.12.2024</a:t>
+              <a:t>28.12.2024</a:t>
             </a:fld>
             <a:endParaRPr lang="ru-RU"/>
           </a:p>
@@ -889,7 +889,7 @@
           <a:p>
             <a:fld id="{28E20F77-081A-455C-BC4E-00CFB52C51CF}" type="datetimeFigureOut">
               <a:rPr lang="ru-RU" smtClean="0"/>
-              <a:t>27.12.2024</a:t>
+              <a:t>28.12.2024</a:t>
             </a:fld>
             <a:endParaRPr lang="ru-RU"/>
           </a:p>
@@ -1143,7 +1143,7 @@
           <a:p>
             <a:fld id="{28E20F77-081A-455C-BC4E-00CFB52C51CF}" type="datetimeFigureOut">
               <a:rPr lang="ru-RU" smtClean="0"/>
-              <a:t>27.12.2024</a:t>
+              <a:t>28.12.2024</a:t>
             </a:fld>
             <a:endParaRPr lang="ru-RU"/>
           </a:p>
@@ -1469,7 +1469,7 @@
           <a:p>
             <a:fld id="{28E20F77-081A-455C-BC4E-00CFB52C51CF}" type="datetimeFigureOut">
               <a:rPr lang="ru-RU" smtClean="0"/>
-              <a:t>27.12.2024</a:t>
+              <a:t>28.12.2024</a:t>
             </a:fld>
             <a:endParaRPr lang="ru-RU"/>
           </a:p>
@@ -1920,7 +1920,7 @@
           <a:p>
             <a:fld id="{28E20F77-081A-455C-BC4E-00CFB52C51CF}" type="datetimeFigureOut">
               <a:rPr lang="ru-RU" smtClean="0"/>
-              <a:t>27.12.2024</a:t>
+              <a:t>28.12.2024</a:t>
             </a:fld>
             <a:endParaRPr lang="ru-RU"/>
           </a:p>
@@ -2038,7 +2038,7 @@
           <a:p>
             <a:fld id="{28E20F77-081A-455C-BC4E-00CFB52C51CF}" type="datetimeFigureOut">
               <a:rPr lang="ru-RU" smtClean="0"/>
-              <a:t>27.12.2024</a:t>
+              <a:t>28.12.2024</a:t>
             </a:fld>
             <a:endParaRPr lang="ru-RU"/>
           </a:p>
@@ -2133,7 +2133,7 @@
           <a:p>
             <a:fld id="{28E20F77-081A-455C-BC4E-00CFB52C51CF}" type="datetimeFigureOut">
               <a:rPr lang="ru-RU" smtClean="0"/>
-              <a:t>27.12.2024</a:t>
+              <a:t>28.12.2024</a:t>
             </a:fld>
             <a:endParaRPr lang="ru-RU"/>
           </a:p>
@@ -2420,7 +2420,7 @@
           <a:p>
             <a:fld id="{28E20F77-081A-455C-BC4E-00CFB52C51CF}" type="datetimeFigureOut">
               <a:rPr lang="ru-RU" smtClean="0"/>
-              <a:t>27.12.2024</a:t>
+              <a:t>28.12.2024</a:t>
             </a:fld>
             <a:endParaRPr lang="ru-RU"/>
           </a:p>
@@ -2742,7 +2742,7 @@
           <a:p>
             <a:fld id="{28E20F77-081A-455C-BC4E-00CFB52C51CF}" type="datetimeFigureOut">
               <a:rPr lang="ru-RU" smtClean="0"/>
-              <a:t>27.12.2024</a:t>
+              <a:t>28.12.2024</a:t>
             </a:fld>
             <a:endParaRPr lang="ru-RU"/>
           </a:p>
@@ -2996,7 +2996,7 @@
           <a:p>
             <a:fld id="{28E20F77-081A-455C-BC4E-00CFB52C51CF}" type="datetimeFigureOut">
               <a:rPr lang="ru-RU" smtClean="0"/>
-              <a:t>27.12.2024</a:t>
+              <a:t>28.12.2024</a:t>
             </a:fld>
             <a:endParaRPr lang="ru-RU"/>
           </a:p>
@@ -4743,8 +4743,8 @@
         </p:nvSpPr>
         <p:spPr>
           <a:xfrm>
-            <a:off x="1294559" y="472965"/>
-            <a:ext cx="4676473" cy="746234"/>
+            <a:off x="1294559" y="387927"/>
+            <a:ext cx="4676473" cy="683491"/>
           </a:xfrm>
         </p:spPr>
         <p:txBody>
@@ -4773,8 +4773,8 @@
         </p:nvSpPr>
         <p:spPr>
           <a:xfrm>
-            <a:off x="1261872" y="1219199"/>
-            <a:ext cx="9418320" cy="5083854"/>
+            <a:off x="1294559" y="932873"/>
+            <a:ext cx="9418320" cy="5735782"/>
           </a:xfrm>
         </p:spPr>
         <p:txBody>
@@ -4801,8 +4801,28 @@
             </a:r>
             <a:r>
               <a:rPr lang="ru-RU" sz="2400" dirty="0"/>
-              <a:t> дизайн и удобный интерфейс делают сайт понятным в использовании для любого пользователя. Широкая база данных, содержащая информацию о блюдах и находящихся в них калориях, белках, жирах и углеводах, позволяет пользователям получить наиболее эффективный план питания и рекомендации, при соблюдении которых пользователь получит желаемый результат. Исходя из всего вышеперечисленного мы получаем сайт, который поможет людям, желающим улучшить форму своего тела, продуктивно использовать своё время и достичь видимых результатов. </a:t>
-            </a:r>
+              <a:t> дизайн и удобный интерфейс делают сайт понятным в использовании для любого пользователя. Широкая база данных, содержащая информацию о блюдах и находящихся в них калориях, белках, жирах и углеводах, позволяет пользователям получить наиболее эффективный план питания и рекомендации, при соблюдении которых пользователь получит желаемый результат. Исходя из всего вышеперечисленного мы получаем сайт, который поможет людям, желающим улучшить форму своего тела, продуктивно использовать своё время и достичь видимых результатов</a:t>
+            </a:r>
+            <a:r>
+              <a:rPr lang="ru-RU" sz="2400" dirty="0" smtClean="0"/>
+              <a:t>.</a:t>
+            </a:r>
+            <a:endParaRPr lang="ru-RU" sz="2400" dirty="0"/>
+          </a:p>
+          <a:p>
+            <a:r>
+              <a:rPr lang="ru-RU" sz="2400" dirty="0" smtClean="0"/>
+              <a:t>Ссылка на код сайта</a:t>
+            </a:r>
+            <a:r>
+              <a:rPr lang="en-US" sz="2400" smtClean="0"/>
+              <a:t>: https</a:t>
+            </a:r>
+            <a:r>
+              <a:rPr lang="en-US" sz="2400"/>
+              <a:t>://github.com/IgorNefedov228/project</a:t>
+            </a:r>
+            <a:endParaRPr lang="ru-RU" sz="2400" dirty="0" smtClean="0"/>
           </a:p>
         </p:txBody>
       </p:sp>
